--- a/aulas/t/SOP-T1-1PR.pptx
+++ b/aulas/t/SOP-T1-1PR.pptx
@@ -22155,7 +22155,7 @@
             </a:pPr>
             <a:r>
               <a:rPr lang="pt-PT" sz="2000" i="0" dirty="0"/>
-              <a:t>3 conjuntos (processos, secções críticas e escalonamento) 2 questões (em 5 possíveis)</a:t>
+              <a:t>3 conjuntos (processos, secções críticas e escalonamento) 3 questões (em 5 possíveis)</a:t>
             </a:r>
             <a:r>
               <a:rPr lang="pt-PT" sz="2000" b="0" i="0" dirty="0"/>
@@ -22180,19 +22180,11 @@
             </a:r>
             <a:r>
               <a:rPr lang="pt-PT" sz="2000" b="0" i="0" dirty="0"/>
-              <a:t>até </a:t>
-            </a:r>
-            <a:r>
-              <a:rPr lang="pt-PT" sz="2000" b="0" i="0"/>
-              <a:t>às </a:t>
-            </a:r>
-            <a:r>
-              <a:rPr lang="pt-PT" sz="2000" i="0"/>
-              <a:t>24h </a:t>
+              <a:t>até às </a:t>
             </a:r>
             <a:r>
               <a:rPr lang="pt-PT" sz="2000" i="0" dirty="0"/>
-              <a:t>de sexta, 7 de outubro</a:t>
+              <a:t>24h de sexta, 7 de outubro</a:t>
             </a:r>
             <a:r>
               <a:rPr lang="pt-PT" sz="2000" b="0" i="0" dirty="0"/>
@@ -22209,11 +22201,19 @@
             </a:pPr>
             <a:r>
               <a:rPr lang="pt-PT" sz="2000" b="0" i="0" dirty="0"/>
-              <a:t>Duração: </a:t>
+              <a:t>Duração</a:t>
+            </a:r>
+            <a:r>
+              <a:rPr lang="pt-PT" sz="2000" b="0" i="0"/>
+              <a:t>: </a:t>
+            </a:r>
+            <a:r>
+              <a:rPr lang="pt-PT" sz="2000" i="0"/>
+              <a:t>6 </a:t>
             </a:r>
             <a:r>
               <a:rPr lang="pt-PT" sz="2000" i="0" dirty="0"/>
-              <a:t>12 minutos</a:t>
+              <a:t>minutos</a:t>
             </a:r>
             <a:r>
               <a:rPr lang="pt-PT" sz="2000" b="0" i="0" dirty="0"/>

--- a/aulas/t/SOP-T1-1PR.pptx
+++ b/aulas/t/SOP-T1-1PR.pptx
@@ -22049,7 +22049,7 @@
         <p:spPr bwMode="auto">
           <a:xfrm>
             <a:off x="540000" y="900000"/>
-            <a:ext cx="8206425" cy="4381444"/>
+            <a:ext cx="8206425" cy="3938245"/>
           </a:xfrm>
           <a:prstGeom prst="rect">
             <a:avLst/>
@@ -22155,12 +22155,17 @@
             </a:pPr>
             <a:r>
               <a:rPr lang="pt-PT" sz="2000" i="0" dirty="0"/>
-              <a:t>3 conjuntos (processos, secções críticas e escalonamento) 3 questões (em 5 possíveis)</a:t>
-            </a:r>
-            <a:r>
-              <a:rPr lang="pt-PT" sz="2000" b="0" i="0" dirty="0"/>
+              <a:t>3 conjuntos (processos, secções críticas e escalonamento) de 2 questões (em </a:t>
+            </a:r>
+            <a:r>
+              <a:rPr lang="pt-PT" sz="2000" i="0"/>
+              <a:t>5 possíveis)</a:t>
+            </a:r>
+            <a:r>
+              <a:rPr lang="pt-PT" sz="2000" b="0" i="0"/>
               <a:t>;</a:t>
             </a:r>
+            <a:endParaRPr lang="pt-PT" sz="2000" b="0" i="0" dirty="0"/>
           </a:p>
           <a:p>
             <a:pPr marL="450850" lvl="1" indent="-271463" algn="l" defTabSz="704085">
@@ -22171,23 +22176,31 @@
               <a:buChar char="Ø"/>
             </a:pPr>
             <a:r>
-              <a:rPr lang="pt-PT" sz="2000" b="0" i="0" dirty="0"/>
-              <a:t>Das </a:t>
-            </a:r>
-            <a:r>
-              <a:rPr lang="pt-PT" sz="2000" i="0" dirty="0"/>
-              <a:t>18h de quinta, 6 de outubro </a:t>
-            </a:r>
-            <a:r>
-              <a:rPr lang="pt-PT" sz="2000" b="0" i="0" dirty="0"/>
-              <a:t>até às </a:t>
-            </a:r>
-            <a:r>
-              <a:rPr lang="pt-PT" sz="2000" i="0" dirty="0"/>
-              <a:t>24h de sexta, 7 de outubro</a:t>
-            </a:r>
-            <a:r>
-              <a:rPr lang="pt-PT" sz="2000" b="0" i="0" dirty="0"/>
+              <a:rPr lang="en-GB" sz="2000" i="0" dirty="0"/>
+              <a:t>1 </a:t>
+            </a:r>
+            <a:r>
+              <a:rPr lang="en-GB" sz="2000" i="0" dirty="0" err="1"/>
+              <a:t>tentativa</a:t>
+            </a:r>
+            <a:r>
+              <a:rPr lang="en-GB" sz="2000" i="0" dirty="0"/>
+              <a:t> </a:t>
+            </a:r>
+            <a:r>
+              <a:rPr lang="en-GB" sz="2000" i="0" dirty="0" err="1"/>
+              <a:t>apenas</a:t>
+            </a:r>
+            <a:r>
+              <a:rPr lang="en-GB" sz="2000" i="0" dirty="0"/>
+              <a:t>, sempre </a:t>
+            </a:r>
+            <a:r>
+              <a:rPr lang="en-GB" sz="2000" i="0" dirty="0" err="1"/>
+              <a:t>aberto</a:t>
+            </a:r>
+            <a:r>
+              <a:rPr lang="en-GB" sz="2000" b="0" i="0" dirty="0"/>
               <a:t>;</a:t>
             </a:r>
           </a:p>
@@ -22200,26 +22213,25 @@
               <a:buChar char="Ø"/>
             </a:pPr>
             <a:r>
-              <a:rPr lang="pt-PT" sz="2000" b="0" i="0" dirty="0"/>
+              <a:rPr lang="en-GB" sz="2000" b="0" i="0" dirty="0" err="1"/>
               <a:t>Duração</a:t>
             </a:r>
             <a:r>
-              <a:rPr lang="pt-PT" sz="2000" b="0" i="0"/>
+              <a:rPr lang="en-GB" sz="2000" b="0" i="0" dirty="0"/>
               <a:t>: </a:t>
             </a:r>
             <a:r>
-              <a:rPr lang="pt-PT" sz="2000" i="0"/>
-              <a:t>6 </a:t>
-            </a:r>
-            <a:r>
-              <a:rPr lang="pt-PT" sz="2000" i="0" dirty="0"/>
+              <a:rPr lang="en-GB" sz="2000" i="0" dirty="0"/>
+              <a:t>12 </a:t>
+            </a:r>
+            <a:r>
+              <a:rPr lang="en-GB" sz="2000" i="0" dirty="0" err="1"/>
               <a:t>minutos</a:t>
             </a:r>
             <a:r>
-              <a:rPr lang="pt-PT" sz="2000" b="0" i="0" dirty="0"/>
+              <a:rPr lang="en-GB" sz="2000" b="0" i="0" dirty="0"/>
               <a:t>.</a:t>
             </a:r>
-            <a:endParaRPr lang="pt-PT" sz="2800" i="0" dirty="0"/>
           </a:p>
         </p:txBody>
       </p:sp>
